--- a/坦克大战介绍ppt草稿.pptx
+++ b/坦克大战介绍ppt草稿.pptx
@@ -132,7 +132,7 @@
             <a:srgbClr val="A4A3A4"/>
           </p15:clr>
         </p15:guide>
-        <p15:guide id="2" pos="3840" userDrawn="1">
+        <p15:guide id="2" pos="3847" userDrawn="1">
           <p15:clr>
             <a:srgbClr val="A4A3A4"/>
           </p15:clr>
@@ -3259,11 +3259,21 @@
     <mc:Choice xmlns:p14="http://schemas.microsoft.com/office/powerpoint/2010/main" Requires="p14">
       <p:transition spd="slow" p14:dur="1200">
         <p:dissolve/>
+        <p:sndAc>
+          <p:stSnd>
+            <p:snd r:embed="rId3" name="explode.wav"/>
+          </p:stSnd>
+        </p:sndAc>
       </p:transition>
     </mc:Choice>
     <mc:Fallback>
       <p:transition spd="slow">
         <p:dissolve/>
+        <p:sndAc>
+          <p:stSnd>
+            <p:snd r:embed="rId3" name="explode.wav"/>
+          </p:stSnd>
+        </p:sndAc>
       </p:transition>
     </mc:Fallback>
   </mc:AlternateContent>
@@ -3495,11 +3505,21 @@
     <mc:Choice xmlns:p14="http://schemas.microsoft.com/office/powerpoint/2010/main" Requires="p14">
       <p:transition spd="slow" p14:dur="1200">
         <p:dissolve/>
+        <p:sndAc>
+          <p:stSnd>
+            <p:snd r:embed="rId6" name="explode.wav"/>
+          </p:stSnd>
+        </p:sndAc>
       </p:transition>
     </mc:Choice>
     <mc:Fallback>
       <p:transition spd="slow">
         <p:dissolve/>
+        <p:sndAc>
+          <p:stSnd>
+            <p:snd r:embed="rId6" name="explode.wav"/>
+          </p:stSnd>
+        </p:sndAc>
       </p:transition>
     </mc:Fallback>
   </mc:AlternateContent>
@@ -3685,11 +3705,21 @@
     <mc:Choice xmlns:p14="http://schemas.microsoft.com/office/powerpoint/2010/main" Requires="p14">
       <p:transition spd="slow" p14:dur="1200">
         <p:dissolve/>
+        <p:sndAc>
+          <p:stSnd>
+            <p:snd r:embed="rId6" name="explode.wav"/>
+          </p:stSnd>
+        </p:sndAc>
       </p:transition>
     </mc:Choice>
     <mc:Fallback>
       <p:transition spd="slow">
         <p:dissolve/>
+        <p:sndAc>
+          <p:stSnd>
+            <p:snd r:embed="rId6" name="explode.wav"/>
+          </p:stSnd>
+        </p:sndAc>
       </p:transition>
     </mc:Fallback>
   </mc:AlternateContent>
@@ -3898,11 +3928,21 @@
     <mc:Choice xmlns:p14="http://schemas.microsoft.com/office/powerpoint/2010/main" Requires="p14">
       <p:transition spd="slow" p14:dur="1200">
         <p:dissolve/>
+        <p:sndAc>
+          <p:stSnd>
+            <p:snd r:embed="rId6" name="explode.wav"/>
+          </p:stSnd>
+        </p:sndAc>
       </p:transition>
     </mc:Choice>
     <mc:Fallback>
       <p:transition spd="slow">
         <p:dissolve/>
+        <p:sndAc>
+          <p:stSnd>
+            <p:snd r:embed="rId6" name="explode.wav"/>
+          </p:stSnd>
+        </p:sndAc>
       </p:transition>
     </mc:Fallback>
   </mc:AlternateContent>
@@ -4107,6 +4147,26 @@
   <p:clrMapOvr>
     <a:masterClrMapping/>
   </p:clrMapOvr>
+  <mc:AlternateContent xmlns:mc="http://schemas.openxmlformats.org/markup-compatibility/2006">
+    <mc:Choice xmlns:p14="http://schemas.microsoft.com/office/powerpoint/2010/main" Requires="p14">
+      <p:transition spd="slow" p14:dur="1250">
+        <p:sndAc>
+          <p:stSnd>
+            <p:snd r:embed="rId6" name="explode.wav"/>
+          </p:stSnd>
+        </p:sndAc>
+      </p:transition>
+    </mc:Choice>
+    <mc:Fallback>
+      <p:transition spd="slow">
+        <p:sndAc>
+          <p:stSnd>
+            <p:snd r:embed="rId6" name="explode.wav"/>
+          </p:stSnd>
+        </p:sndAc>
+      </p:transition>
+    </mc:Fallback>
+  </mc:AlternateContent>
 </p:sld>
 </file>
 
@@ -4308,12 +4368,45 @@
   <p:clrMapOvr>
     <a:masterClrMapping/>
   </p:clrMapOvr>
+  <mc:AlternateContent xmlns:mc="http://schemas.openxmlformats.org/markup-compatibility/2006">
+    <mc:Choice xmlns:p14="http://schemas.microsoft.com/office/powerpoint/2010/main" Requires="p14">
+      <p:transition spd="slow" p14:dur="1250">
+        <p:sndAc>
+          <p:stSnd>
+            <p:snd r:embed="rId6" name="explode.wav"/>
+          </p:stSnd>
+        </p:sndAc>
+      </p:transition>
+    </mc:Choice>
+    <mc:Fallback>
+      <p:transition spd="slow">
+        <p:sndAc>
+          <p:stSnd>
+            <p:snd r:embed="rId6" name="explode.wav"/>
+          </p:stSnd>
+        </p:sndAc>
+      </p:transition>
+    </mc:Fallback>
+  </mc:AlternateContent>
 </p:sld>
 </file>
 
 <file path=ppt/slides/slide15.xml><?xml version="1.0" encoding="utf-8"?>
 <p:sld xmlns:a="http://schemas.openxmlformats.org/drawingml/2006/main" xmlns:r="http://schemas.openxmlformats.org/officeDocument/2006/relationships" xmlns:p="http://schemas.openxmlformats.org/presentationml/2006/main">
   <p:cSld>
+    <p:bg>
+      <p:bgPr>
+        <a:pattFill prst="pct5">
+          <a:fgClr>
+            <a:schemeClr val="accent1"/>
+          </a:fgClr>
+          <a:bgClr>
+            <a:schemeClr val="bg1"/>
+          </a:bgClr>
+        </a:pattFill>
+        <a:effectLst/>
+      </p:bgPr>
+    </p:bg>
     <p:spTree>
       <p:nvGrpSpPr>
         <p:cNvPr id="1" name=""/>
@@ -4509,6 +4602,26 @@
   <p:clrMapOvr>
     <a:masterClrMapping/>
   </p:clrMapOvr>
+  <mc:AlternateContent xmlns:mc="http://schemas.openxmlformats.org/markup-compatibility/2006">
+    <mc:Choice xmlns:p14="http://schemas.microsoft.com/office/powerpoint/2010/main" Requires="p14">
+      <p:transition spd="slow" p14:dur="1250">
+        <p:sndAc>
+          <p:stSnd>
+            <p:snd r:embed="rId6" name="explode.wav"/>
+          </p:stSnd>
+        </p:sndAc>
+      </p:transition>
+    </mc:Choice>
+    <mc:Fallback>
+      <p:transition spd="slow">
+        <p:sndAc>
+          <p:stSnd>
+            <p:snd r:embed="rId6" name="explode.wav"/>
+          </p:stSnd>
+        </p:sndAc>
+      </p:transition>
+    </mc:Fallback>
+  </mc:AlternateContent>
 </p:sld>
 </file>
 
@@ -4710,6 +4823,26 @@
   <p:clrMapOvr>
     <a:masterClrMapping/>
   </p:clrMapOvr>
+  <mc:AlternateContent xmlns:mc="http://schemas.openxmlformats.org/markup-compatibility/2006">
+    <mc:Choice xmlns:p14="http://schemas.microsoft.com/office/powerpoint/2010/main" Requires="p14">
+      <p:transition spd="slow" p14:dur="1250">
+        <p:sndAc>
+          <p:stSnd>
+            <p:snd r:embed="rId6" name="explode.wav"/>
+          </p:stSnd>
+        </p:sndAc>
+      </p:transition>
+    </mc:Choice>
+    <mc:Fallback>
+      <p:transition spd="slow">
+        <p:sndAc>
+          <p:stSnd>
+            <p:snd r:embed="rId6" name="explode.wav"/>
+          </p:stSnd>
+        </p:sndAc>
+      </p:transition>
+    </mc:Fallback>
+  </mc:AlternateContent>
 </p:sld>
 </file>
 
@@ -4911,6 +5044,26 @@
   <p:clrMapOvr>
     <a:masterClrMapping/>
   </p:clrMapOvr>
+  <mc:AlternateContent xmlns:mc="http://schemas.openxmlformats.org/markup-compatibility/2006">
+    <mc:Choice xmlns:p14="http://schemas.microsoft.com/office/powerpoint/2010/main" Requires="p14">
+      <p:transition spd="slow" p14:dur="1250">
+        <p:sndAc>
+          <p:stSnd>
+            <p:snd r:embed="rId6" name="explode.wav"/>
+          </p:stSnd>
+        </p:sndAc>
+      </p:transition>
+    </mc:Choice>
+    <mc:Fallback>
+      <p:transition spd="slow">
+        <p:sndAc>
+          <p:stSnd>
+            <p:snd r:embed="rId6" name="explode.wav"/>
+          </p:stSnd>
+        </p:sndAc>
+      </p:transition>
+    </mc:Fallback>
+  </mc:AlternateContent>
 </p:sld>
 </file>
 
@@ -5169,11 +5322,21 @@
     <mc:Choice xmlns:p14="http://schemas.microsoft.com/office/powerpoint/2010/main" Requires="p14">
       <p:transition spd="slow" p14:dur="1200">
         <p:dissolve/>
+        <p:sndAc>
+          <p:stSnd>
+            <p:snd r:embed="rId4" name="explode.wav"/>
+          </p:stSnd>
+        </p:sndAc>
       </p:transition>
     </mc:Choice>
     <mc:Fallback>
       <p:transition spd="slow">
         <p:dissolve/>
+        <p:sndAc>
+          <p:stSnd>
+            <p:snd r:embed="rId4" name="explode.wav"/>
+          </p:stSnd>
+        </p:sndAc>
       </p:transition>
     </mc:Fallback>
   </mc:AlternateContent>
@@ -5515,11 +5678,21 @@
     <mc:Choice xmlns:p14="http://schemas.microsoft.com/office/powerpoint/2010/main" Requires="p14">
       <p:transition spd="slow" p14:dur="1200">
         <p:dissolve/>
+        <p:sndAc>
+          <p:stSnd>
+            <p:snd r:embed="rId4" name="explode.wav"/>
+          </p:stSnd>
+        </p:sndAc>
       </p:transition>
     </mc:Choice>
     <mc:Fallback>
       <p:transition spd="slow">
         <p:dissolve/>
+        <p:sndAc>
+          <p:stSnd>
+            <p:snd r:embed="rId4" name="explode.wav"/>
+          </p:stSnd>
+        </p:sndAc>
       </p:transition>
     </mc:Fallback>
   </mc:AlternateContent>
@@ -5610,7 +5783,7 @@
               <a:rPr lang="zh-CN" altLang="en-US" sz="5400">
                 <a:latin typeface="宋体" panose="02010600030101010101" pitchFamily="2" charset="-122"/>
                 <a:ea typeface="宋体" panose="02010600030101010101" pitchFamily="2" charset="-122"/>
-                <a:hlinkClick r:id="rId2" tooltip="" action="ppaction://hlinksldjump"/>
+                <a:hlinkClick r:id="rId2" action="ppaction://hlinksldjump"/>
               </a:rPr>
               <a:t>游戏规则</a:t>
             </a:r>
@@ -5711,7 +5884,7 @@
                 </a:solidFill>
                 <a:latin typeface="宋体" panose="02010600030101010101" pitchFamily="2" charset="-122"/>
                 <a:ea typeface="宋体" panose="02010600030101010101" pitchFamily="2" charset="-122"/>
-                <a:hlinkClick r:id="rId3" tooltip="" action="ppaction://hlinksldjump"/>
+                <a:hlinkClick r:id="rId3" action="ppaction://hlinksldjump"/>
               </a:rPr>
               <a:t>游戏简介</a:t>
             </a:r>
@@ -5772,7 +5945,7 @@
               <a:rPr lang="zh-CN" altLang="en-US" sz="5400">
                 <a:latin typeface="宋体" panose="02010600030101010101" pitchFamily="2" charset="-122"/>
                 <a:ea typeface="宋体" panose="02010600030101010101" pitchFamily="2" charset="-122"/>
-                <a:hlinkClick r:id="rId5" tooltip="" action="ppaction://hlinksldjump"/>
+                <a:hlinkClick r:id="rId5" action="ppaction://hlinksldjump"/>
               </a:rPr>
               <a:t>操作方法</a:t>
             </a:r>
@@ -5786,7 +5959,7 @@
       <p:sp>
         <p:nvSpPr>
           <p:cNvPr id="7" name="文本框 6">
-            <a:hlinkClick r:id="rId6" tooltip="" action="ppaction://hlinksldjump"/>
+            <a:hlinkClick r:id="rId6" action="ppaction://hlinksldjump"/>
           </p:cNvPr>
           <p:cNvSpPr txBox="1"/>
           <p:nvPr>
@@ -5832,7 +6005,7 @@
               <a:rPr lang="zh-CN" altLang="en-US" sz="5400">
                 <a:latin typeface="宋体" panose="02010600030101010101" pitchFamily="2" charset="-122"/>
                 <a:ea typeface="宋体" panose="02010600030101010101" pitchFamily="2" charset="-122"/>
-                <a:hlinkClick r:id="rId6" tooltip="" action="ppaction://hlinksldjump"/>
+                <a:hlinkClick r:id="rId6" action="ppaction://hlinksldjump"/>
               </a:rPr>
               <a:t>结构分析</a:t>
             </a:r>
@@ -5890,7 +6063,7 @@
               <a:rPr lang="zh-CN" altLang="en-US" sz="5400">
                 <a:latin typeface="宋体" panose="02010600030101010101" pitchFamily="2" charset="-122"/>
                 <a:ea typeface="宋体" panose="02010600030101010101" pitchFamily="2" charset="-122"/>
-                <a:hlinkClick r:id="rId9" tooltip="" action="ppaction://hlinksldjump"/>
+                <a:hlinkClick r:id="rId9" action="ppaction://hlinksldjump"/>
               </a:rPr>
               <a:t>界面展示</a:t>
             </a:r>
@@ -5913,11 +6086,21 @@
     <mc:Choice xmlns:p14="http://schemas.microsoft.com/office/powerpoint/2010/main" Requires="p14">
       <p:transition spd="slow" p14:dur="1200">
         <p:dissolve/>
+        <p:sndAc>
+          <p:stSnd>
+            <p:snd r:embed="rId11" name="explode.wav"/>
+          </p:stSnd>
+        </p:sndAc>
       </p:transition>
     </mc:Choice>
     <mc:Fallback>
       <p:transition spd="slow">
         <p:dissolve/>
+        <p:sndAc>
+          <p:stSnd>
+            <p:snd r:embed="rId11" name="explode.wav"/>
+          </p:stSnd>
+        </p:sndAc>
       </p:transition>
     </mc:Fallback>
   </mc:AlternateContent>
@@ -6122,11 +6305,21 @@
     <mc:Choice xmlns:p14="http://schemas.microsoft.com/office/powerpoint/2010/main" Requires="p14">
       <p:transition spd="slow" p14:dur="1200">
         <p:dissolve/>
+        <p:sndAc>
+          <p:stSnd>
+            <p:snd r:embed="rId5" name="explode.wav"/>
+          </p:stSnd>
+        </p:sndAc>
       </p:transition>
     </mc:Choice>
     <mc:Fallback>
       <p:transition spd="slow">
         <p:dissolve/>
+        <p:sndAc>
+          <p:stSnd>
+            <p:snd r:embed="rId5" name="explode.wav"/>
+          </p:stSnd>
+        </p:sndAc>
       </p:transition>
     </mc:Fallback>
   </mc:AlternateContent>
@@ -6351,7 +6544,7 @@
                 <a:ea typeface="宋体" panose="02010600030101010101" pitchFamily="2" charset="-122"/>
                 <a:cs typeface="宋体" panose="02010600030101010101" pitchFamily="2" charset="-122"/>
               </a:rPr>
-              <a:t>• 部分游戏中可能存在不同类型的敌方坦克，具有不同的特点和能力。</a:t>
+              <a:t>• 游戏中可能不同类型的敌方坦克，具有不同的特点和能力。</a:t>
             </a:r>
             <a:endParaRPr lang="zh-CN" altLang="en-US" sz="3600" b="1">
               <a:solidFill>
@@ -6373,7 +6566,7 @@
                 <a:ea typeface="宋体" panose="02010600030101010101" pitchFamily="2" charset="-122"/>
                 <a:cs typeface="宋体" panose="02010600030101010101" pitchFamily="2" charset="-122"/>
               </a:rPr>
-              <a:t>• 有些版本可能会有道具或奖励系统，例如增强坦克火力、提升防御等的道具，玩家获取后可获得相应优势。</a:t>
+              <a:t>• 会有道具或奖励系统，例如增强坦克火力、提升防御等的道具，玩家获取后可获得相应优势。</a:t>
             </a:r>
             <a:endParaRPr lang="zh-CN" altLang="en-US" sz="3600" b="1">
               <a:solidFill>
@@ -6471,11 +6664,21 @@
     <mc:Choice xmlns:p14="http://schemas.microsoft.com/office/powerpoint/2010/main" Requires="p14">
       <p:transition spd="slow" p14:dur="1200">
         <p:dissolve/>
+        <p:sndAc>
+          <p:stSnd>
+            <p:snd r:embed="rId7" name="explode.wav"/>
+          </p:stSnd>
+        </p:sndAc>
       </p:transition>
     </mc:Choice>
     <mc:Fallback>
       <p:transition spd="slow">
         <p:dissolve/>
+        <p:sndAc>
+          <p:stSnd>
+            <p:snd r:embed="rId7" name="explode.wav"/>
+          </p:stSnd>
+        </p:sndAc>
       </p:transition>
     </mc:Fallback>
   </mc:AlternateContent>
@@ -6612,7 +6815,7 @@
                 <a:ea typeface="宋体" panose="02010600030101010101" pitchFamily="2" charset="-122"/>
                 <a:cs typeface="宋体" panose="02010600030101010101" pitchFamily="2" charset="-122"/>
               </a:rPr>
-              <a:t>• 移动控制：通常使用键盘上的方向键（如上下左右键）或游戏手柄的摇杆来控制坦克的移动方向，使坦克在地图上前进、后退、向左或向右移动。例如，按下上键坦克向前行驶，按下左键坦克向左转弯移动。</a:t>
+              <a:t>• 移动控制：通常使用键盘上的方向键（如上下左右键）来控制坦克的移动方向，使坦克在地图上前进、后退、向左或向右移动。例如，按下上键坦克向前行驶，按下左键坦克向左转弯移动。</a:t>
             </a:r>
             <a:endParaRPr lang="zh-CN" altLang="en-US" sz="3200" b="1">
               <a:solidFill>
@@ -6634,7 +6837,7 @@
                 <a:ea typeface="宋体" panose="02010600030101010101" pitchFamily="2" charset="-122"/>
                 <a:cs typeface="宋体" panose="02010600030101010101" pitchFamily="2" charset="-122"/>
               </a:rPr>
-              <a:t>• 射击控制：一般通过特定的按键来发射炮弹，比如空格键、回车键或游戏手柄上的相应按钮。玩家需要瞄准敌方坦克的位置后按下射击键来发射炮弹攻击敌人。</a:t>
+              <a:t>• 射击控制：通过特定的按键来发射炮弹。玩家需要瞄准敌方坦克的位置后按下射击键来发射炮弹攻击敌人。</a:t>
             </a:r>
             <a:endParaRPr lang="zh-CN" altLang="en-US" sz="3200" b="1">
               <a:solidFill>
@@ -6656,20 +6859,9 @@
                 <a:ea typeface="宋体" panose="02010600030101010101" pitchFamily="2" charset="-122"/>
                 <a:cs typeface="宋体" panose="02010600030101010101" pitchFamily="2" charset="-122"/>
               </a:rPr>
-              <a:t>• 转向操作：部分游戏可能支持坦克的转向操作，以便更好地调整射击角度和应对不同方向的敌人。具体的转向控制方式可能因游戏而异，有的可能是通过按下特定的转向键，有的可能是在移动过程中配合其他按键来实现坦克的转向。</a:t>
-            </a:r>
-            <a:endParaRPr lang="zh-CN" altLang="en-US" sz="3200" b="1">
-              <a:solidFill>
-                <a:schemeClr val="bg1"/>
-              </a:solidFill>
-              <a:latin typeface="宋体" panose="02010600030101010101" pitchFamily="2" charset="-122"/>
-              <a:ea typeface="宋体" panose="02010600030101010101" pitchFamily="2" charset="-122"/>
-              <a:cs typeface="宋体" panose="02010600030101010101" pitchFamily="2" charset="-122"/>
-            </a:endParaRPr>
-          </a:p>
-          <a:p>
-            <a:pPr algn="l"/>
-            <a:endParaRPr lang="zh-CN" altLang="en-US" sz="3200" b="1">
+              <a:t>• 转向操作：游戏支持坦克的转向操作，以便更好地调整射击角度和应对不同方向的敌人。具体的转向控制方式通过按下特定的转向键。</a:t>
+            </a:r>
+            <a:endParaRPr lang="en-US" altLang="zh-CN" sz="3200" b="1">
               <a:solidFill>
                 <a:schemeClr val="bg1"/>
               </a:solidFill>
@@ -6743,11 +6935,21 @@
     <mc:Choice xmlns:p14="http://schemas.microsoft.com/office/powerpoint/2010/main" Requires="p14">
       <p:transition spd="slow" p14:dur="1200">
         <p:dissolve/>
+        <p:sndAc>
+          <p:stSnd>
+            <p:snd r:embed="rId7" name="explode.wav"/>
+          </p:stSnd>
+        </p:sndAc>
       </p:transition>
     </mc:Choice>
     <mc:Fallback>
       <p:transition spd="slow">
         <p:dissolve/>
+        <p:sndAc>
+          <p:stSnd>
+            <p:snd r:embed="rId7" name="explode.wav"/>
+          </p:stSnd>
+        </p:sndAc>
       </p:transition>
     </mc:Fallback>
   </mc:AlternateContent>
@@ -6892,7 +7094,7 @@
                 </a:solidFill>
                 <a:latin typeface="宋体" panose="02010600030101010101" pitchFamily="2" charset="-122"/>
                 <a:ea typeface="宋体" panose="02010600030101010101" pitchFamily="2" charset="-122"/>
-                <a:hlinkClick r:id="rId4" tooltip="" action="ppaction://hlinksldjump"/>
+                <a:hlinkClick r:id="rId4" action="ppaction://hlinksldjump"/>
               </a:rPr>
               <a:t>返回目录</a:t>
             </a:r>
@@ -6918,11 +7120,21 @@
     <mc:Choice xmlns:p14="http://schemas.microsoft.com/office/powerpoint/2010/main" Requires="p14">
       <p:transition spd="slow" p14:dur="1200">
         <p:dissolve/>
+        <p:sndAc>
+          <p:stSnd>
+            <p:snd r:embed="rId6" name="explode.wav"/>
+          </p:stSnd>
+        </p:sndAc>
       </p:transition>
     </mc:Choice>
     <mc:Fallback>
       <p:transition spd="slow">
         <p:dissolve/>
+        <p:sndAc>
+          <p:stSnd>
+            <p:snd r:embed="rId6" name="explode.wav"/>
+          </p:stSnd>
+        </p:sndAc>
       </p:transition>
     </mc:Fallback>
   </mc:AlternateContent>
@@ -7033,11 +7245,21 @@
     <mc:Choice xmlns:p14="http://schemas.microsoft.com/office/powerpoint/2010/main" Requires="p14">
       <p:transition spd="slow" p14:dur="1200">
         <p:dissolve/>
+        <p:sndAc>
+          <p:stSnd>
+            <p:snd r:embed="rId5" name="explode.wav"/>
+          </p:stSnd>
+        </p:sndAc>
       </p:transition>
     </mc:Choice>
     <mc:Fallback>
       <p:transition spd="slow">
         <p:dissolve/>
+        <p:sndAc>
+          <p:stSnd>
+            <p:snd r:embed="rId5" name="explode.wav"/>
+          </p:stSnd>
+        </p:sndAc>
       </p:transition>
     </mc:Fallback>
   </mc:AlternateContent>
@@ -7148,11 +7370,21 @@
     <mc:Choice xmlns:p14="http://schemas.microsoft.com/office/powerpoint/2010/main" Requires="p14">
       <p:transition spd="slow" p14:dur="1200">
         <p:dissolve/>
+        <p:sndAc>
+          <p:stSnd>
+            <p:snd r:embed="rId5" name="explode.wav"/>
+          </p:stSnd>
+        </p:sndAc>
       </p:transition>
     </mc:Choice>
     <mc:Fallback>
       <p:transition spd="slow">
         <p:dissolve/>
+        <p:sndAc>
+          <p:stSnd>
+            <p:snd r:embed="rId5" name="explode.wav"/>
+          </p:stSnd>
+        </p:sndAc>
       </p:transition>
     </mc:Fallback>
   </mc:AlternateContent>
